--- a/v04d_수식확인_블록수직.pptx
+++ b/v04d_수식확인_블록수직.pptx
@@ -202,7 +202,7 @@
           <a:p>
             <a:fld id="{4C2B3779-0409-4014-B887-920DA3FC8CD8}" type="datetimeFigureOut">
               <a:rPr lang="ko-KR" altLang="en-US" smtClean="0"/>
-              <a:t>2014-10-13</a:t>
+              <a:t>2016-05-25</a:t>
             </a:fld>
             <a:endParaRPr lang="ko-KR" altLang="en-US"/>
           </a:p>
@@ -368,7 +368,7 @@
           <a:p>
             <a:fld id="{8AD27F9C-DCA4-45DA-A02F-E8008D4E8D1A}" type="datetimeFigureOut">
               <a:rPr lang="ko-KR" altLang="en-US" smtClean="0"/>
-              <a:t>2014-10-13</a:t>
+              <a:t>2016-05-25</a:t>
             </a:fld>
             <a:endParaRPr lang="ko-KR" altLang="en-US"/>
           </a:p>
@@ -818,7 +818,7 @@
           <a:p>
             <a:fld id="{65549473-6E0B-4529-8A7B-979A58F5DDAB}" type="datetime1">
               <a:rPr lang="ko-KR" altLang="en-US" smtClean="0"/>
-              <a:t>2014-10-13</a:t>
+              <a:t>2016-05-25</a:t>
             </a:fld>
             <a:endParaRPr lang="ko-KR" altLang="en-US"/>
           </a:p>
@@ -988,7 +988,7 @@
           <a:p>
             <a:fld id="{DF289AF8-7EAC-4C95-835E-758C5FAC31FE}" type="datetime1">
               <a:rPr lang="ko-KR" altLang="en-US" smtClean="0"/>
-              <a:t>2014-10-13</a:t>
+              <a:t>2016-05-25</a:t>
             </a:fld>
             <a:endParaRPr lang="ko-KR" altLang="en-US"/>
           </a:p>
@@ -1168,7 +1168,7 @@
           <a:p>
             <a:fld id="{C0124367-E301-4AA9-ACC5-FDF4FA3EEE8D}" type="datetime1">
               <a:rPr lang="ko-KR" altLang="en-US" smtClean="0"/>
-              <a:t>2014-10-13</a:t>
+              <a:t>2016-05-25</a:t>
             </a:fld>
             <a:endParaRPr lang="ko-KR" altLang="en-US"/>
           </a:p>
@@ -1338,7 +1338,7 @@
           <a:p>
             <a:fld id="{5D1D1AF2-2400-4FA7-9C2C-CC9CB8B47472}" type="datetime1">
               <a:rPr lang="ko-KR" altLang="en-US" smtClean="0"/>
-              <a:t>2014-10-13</a:t>
+              <a:t>2016-05-25</a:t>
             </a:fld>
             <a:endParaRPr lang="ko-KR" altLang="en-US"/>
           </a:p>
@@ -1584,7 +1584,7 @@
           <a:p>
             <a:fld id="{6E73F552-FA8D-45A5-8ADC-8D405D20E491}" type="datetime1">
               <a:rPr lang="ko-KR" altLang="en-US" smtClean="0"/>
-              <a:t>2014-10-13</a:t>
+              <a:t>2016-05-25</a:t>
             </a:fld>
             <a:endParaRPr lang="ko-KR" altLang="en-US"/>
           </a:p>
@@ -1872,7 +1872,7 @@
           <a:p>
             <a:fld id="{5EF768A1-3740-44E1-928E-BC9BE2680DB5}" type="datetime1">
               <a:rPr lang="ko-KR" altLang="en-US" smtClean="0"/>
-              <a:t>2014-10-13</a:t>
+              <a:t>2016-05-25</a:t>
             </a:fld>
             <a:endParaRPr lang="ko-KR" altLang="en-US"/>
           </a:p>
@@ -2294,7 +2294,7 @@
           <a:p>
             <a:fld id="{89F1C2F3-58A5-401A-9060-A48FA95C3829}" type="datetime1">
               <a:rPr lang="ko-KR" altLang="en-US" smtClean="0"/>
-              <a:t>2014-10-13</a:t>
+              <a:t>2016-05-25</a:t>
             </a:fld>
             <a:endParaRPr lang="ko-KR" altLang="en-US"/>
           </a:p>
@@ -2412,7 +2412,7 @@
           <a:p>
             <a:fld id="{8FB32F4D-5DF0-46C8-8B38-033D6FF00BBC}" type="datetime1">
               <a:rPr lang="ko-KR" altLang="en-US" smtClean="0"/>
-              <a:t>2014-10-13</a:t>
+              <a:t>2016-05-25</a:t>
             </a:fld>
             <a:endParaRPr lang="ko-KR" altLang="en-US"/>
           </a:p>
@@ -2512,7 +2512,7 @@
           <a:p>
             <a:fld id="{17AE2E6F-AF47-4FE9-BFAB-4779C28358DA}" type="datetime1">
               <a:rPr lang="ko-KR" altLang="en-US" smtClean="0"/>
-              <a:t>2014-10-13</a:t>
+              <a:t>2016-05-25</a:t>
             </a:fld>
             <a:endParaRPr lang="ko-KR" altLang="en-US"/>
           </a:p>
@@ -2789,7 +2789,7 @@
           <a:p>
             <a:fld id="{F6803CD2-DFB5-4FCF-A481-3D1C0DF71854}" type="datetime1">
               <a:rPr lang="ko-KR" altLang="en-US" smtClean="0"/>
-              <a:t>2014-10-13</a:t>
+              <a:t>2016-05-25</a:t>
             </a:fld>
             <a:endParaRPr lang="ko-KR" altLang="en-US"/>
           </a:p>
@@ -3042,7 +3042,7 @@
           <a:p>
             <a:fld id="{5680A8C0-5DD2-4A65-A7B6-6E5542BC6E3A}" type="datetime1">
               <a:rPr lang="ko-KR" altLang="en-US" smtClean="0"/>
-              <a:t>2014-10-13</a:t>
+              <a:t>2016-05-25</a:t>
             </a:fld>
             <a:endParaRPr lang="ko-KR" altLang="en-US"/>
           </a:p>
@@ -3255,7 +3255,7 @@
           <a:p>
             <a:fld id="{B29F2594-9F6F-4D89-B493-F5D3E8EB05B3}" type="datetime1">
               <a:rPr lang="ko-KR" altLang="en-US" smtClean="0"/>
-              <a:t>2014-10-13</a:t>
+              <a:t>2016-05-25</a:t>
             </a:fld>
             <a:endParaRPr lang="ko-KR" altLang="en-US"/>
           </a:p>
@@ -4431,8 +4431,8 @@
                 <a:effectLst/>
               </p:spPr>
             </p:cxnSp>
-            <mc:AlternateContent xmlns:mc="http://schemas.openxmlformats.org/markup-compatibility/2006">
-              <mc:Choice xmlns:a14="http://schemas.microsoft.com/office/drawing/2010/main" Requires="a14">
+            <mc:AlternateContent xmlns:mc="http://schemas.openxmlformats.org/markup-compatibility/2006" xmlns:a14="http://schemas.microsoft.com/office/drawing/2010/main">
+              <mc:Choice Requires="a14">
                 <p:sp>
                   <p:nvSpPr>
                     <p:cNvPr id="205" name="직사각형 204"/>
@@ -4536,7 +4536,7 @@
                   </p:txBody>
                 </p:sp>
               </mc:Choice>
-              <mc:Fallback>
+              <mc:Fallback xmlns="">
                 <p:sp>
                   <p:nvSpPr>
                     <p:cNvPr id="205" name="직사각형 204"/>
@@ -4575,8 +4575,8 @@
                 </p:sp>
               </mc:Fallback>
             </mc:AlternateContent>
-            <mc:AlternateContent xmlns:mc="http://schemas.openxmlformats.org/markup-compatibility/2006">
-              <mc:Choice xmlns:a14="http://schemas.microsoft.com/office/drawing/2010/main" Requires="a14">
+            <mc:AlternateContent xmlns:mc="http://schemas.openxmlformats.org/markup-compatibility/2006" xmlns:a14="http://schemas.microsoft.com/office/drawing/2010/main">
+              <mc:Choice Requires="a14">
                 <p:sp>
                   <p:nvSpPr>
                     <p:cNvPr id="206" name="직사각형 205"/>
@@ -4690,7 +4690,7 @@
                   </p:txBody>
                 </p:sp>
               </mc:Choice>
-              <mc:Fallback>
+              <mc:Fallback xmlns="">
                 <p:sp>
                   <p:nvSpPr>
                     <p:cNvPr id="206" name="직사각형 205"/>
@@ -4729,8 +4729,8 @@
                 </p:sp>
               </mc:Fallback>
             </mc:AlternateContent>
-            <mc:AlternateContent xmlns:mc="http://schemas.openxmlformats.org/markup-compatibility/2006">
-              <mc:Choice xmlns:a14="http://schemas.microsoft.com/office/drawing/2010/main" Requires="a14">
+            <mc:AlternateContent xmlns:mc="http://schemas.openxmlformats.org/markup-compatibility/2006" xmlns:a14="http://schemas.microsoft.com/office/drawing/2010/main">
+              <mc:Choice Requires="a14">
                 <p:sp>
                   <p:nvSpPr>
                     <p:cNvPr id="207" name="직사각형 206"/>
@@ -4844,7 +4844,7 @@
                   </p:txBody>
                 </p:sp>
               </mc:Choice>
-              <mc:Fallback>
+              <mc:Fallback xmlns="">
                 <p:sp>
                   <p:nvSpPr>
                     <p:cNvPr id="207" name="직사각형 206"/>
@@ -4883,8 +4883,8 @@
                 </p:sp>
               </mc:Fallback>
             </mc:AlternateContent>
-            <mc:AlternateContent xmlns:mc="http://schemas.openxmlformats.org/markup-compatibility/2006">
-              <mc:Choice xmlns:a14="http://schemas.microsoft.com/office/drawing/2010/main" Requires="a14">
+            <mc:AlternateContent xmlns:mc="http://schemas.openxmlformats.org/markup-compatibility/2006" xmlns:a14="http://schemas.microsoft.com/office/drawing/2010/main">
+              <mc:Choice Requires="a14">
                 <p:sp>
                   <p:nvSpPr>
                     <p:cNvPr id="208" name="직사각형 207"/>
@@ -4988,7 +4988,7 @@
                   </p:txBody>
                 </p:sp>
               </mc:Choice>
-              <mc:Fallback>
+              <mc:Fallback xmlns="">
                 <p:sp>
                   <p:nvSpPr>
                     <p:cNvPr id="208" name="직사각형 207"/>
@@ -5027,8 +5027,8 @@
                 </p:sp>
               </mc:Fallback>
             </mc:AlternateContent>
-            <mc:AlternateContent xmlns:mc="http://schemas.openxmlformats.org/markup-compatibility/2006">
-              <mc:Choice xmlns:a14="http://schemas.microsoft.com/office/drawing/2010/main" Requires="a14">
+            <mc:AlternateContent xmlns:mc="http://schemas.openxmlformats.org/markup-compatibility/2006" xmlns:a14="http://schemas.microsoft.com/office/drawing/2010/main">
+              <mc:Choice Requires="a14">
                 <p:sp>
                   <p:nvSpPr>
                     <p:cNvPr id="210" name="직사각형 209"/>
@@ -5132,7 +5132,7 @@
                   </p:txBody>
                 </p:sp>
               </mc:Choice>
-              <mc:Fallback>
+              <mc:Fallback xmlns="">
                 <p:sp>
                   <p:nvSpPr>
                     <p:cNvPr id="210" name="직사각형 209"/>
@@ -5171,8 +5171,8 @@
                 </p:sp>
               </mc:Fallback>
             </mc:AlternateContent>
-            <mc:AlternateContent xmlns:mc="http://schemas.openxmlformats.org/markup-compatibility/2006">
-              <mc:Choice xmlns:a14="http://schemas.microsoft.com/office/drawing/2010/main" Requires="a14">
+            <mc:AlternateContent xmlns:mc="http://schemas.openxmlformats.org/markup-compatibility/2006" xmlns:a14="http://schemas.microsoft.com/office/drawing/2010/main">
+              <mc:Choice Requires="a14">
                 <p:sp>
                   <p:nvSpPr>
                     <p:cNvPr id="211" name="직사각형 210"/>
@@ -5276,7 +5276,7 @@
                   </p:txBody>
                 </p:sp>
               </mc:Choice>
-              <mc:Fallback>
+              <mc:Fallback xmlns="">
                 <p:sp>
                   <p:nvSpPr>
                     <p:cNvPr id="211" name="직사각형 210"/>
@@ -5344,8 +5344,8 @@
                 <a:effectLst/>
               </p:spPr>
             </p:cxnSp>
-            <mc:AlternateContent xmlns:mc="http://schemas.openxmlformats.org/markup-compatibility/2006">
-              <mc:Choice xmlns:a14="http://schemas.microsoft.com/office/drawing/2010/main" Requires="a14">
+            <mc:AlternateContent xmlns:mc="http://schemas.openxmlformats.org/markup-compatibility/2006" xmlns:a14="http://schemas.microsoft.com/office/drawing/2010/main">
+              <mc:Choice Requires="a14">
                 <p:sp>
                   <p:nvSpPr>
                     <p:cNvPr id="213" name="직사각형 212"/>
@@ -5440,7 +5440,7 @@
                   </p:txBody>
                 </p:sp>
               </mc:Choice>
-              <mc:Fallback>
+              <mc:Fallback xmlns="">
                 <p:sp>
                   <p:nvSpPr>
                     <p:cNvPr id="213" name="직사각형 212"/>
@@ -6329,8 +6329,8 @@
                 <a:effectLst/>
               </p:spPr>
             </p:cxnSp>
-            <mc:AlternateContent xmlns:mc="http://schemas.openxmlformats.org/markup-compatibility/2006">
-              <mc:Choice xmlns:a14="http://schemas.microsoft.com/office/drawing/2010/main" Requires="a14">
+            <mc:AlternateContent xmlns:mc="http://schemas.openxmlformats.org/markup-compatibility/2006" xmlns:a14="http://schemas.microsoft.com/office/drawing/2010/main">
+              <mc:Choice Requires="a14">
                 <p:sp>
                   <p:nvSpPr>
                     <p:cNvPr id="17" name="직사각형 16"/>
@@ -6425,7 +6425,7 @@
                   </p:txBody>
                 </p:sp>
               </mc:Choice>
-              <mc:Fallback>
+              <mc:Fallback xmlns="">
                 <p:sp>
                   <p:nvSpPr>
                     <p:cNvPr id="17" name="직사각형 16"/>
@@ -6464,8 +6464,8 @@
                 </p:sp>
               </mc:Fallback>
             </mc:AlternateContent>
-            <mc:AlternateContent xmlns:mc="http://schemas.openxmlformats.org/markup-compatibility/2006">
-              <mc:Choice xmlns:a14="http://schemas.microsoft.com/office/drawing/2010/main" Requires="a14">
+            <mc:AlternateContent xmlns:mc="http://schemas.openxmlformats.org/markup-compatibility/2006" xmlns:a14="http://schemas.microsoft.com/office/drawing/2010/main">
+              <mc:Choice Requires="a14">
                 <p:sp>
                   <p:nvSpPr>
                     <p:cNvPr id="20" name="직사각형 19"/>
@@ -6570,7 +6570,7 @@
                   </p:txBody>
                 </p:sp>
               </mc:Choice>
-              <mc:Fallback>
+              <mc:Fallback xmlns="">
                 <p:sp>
                   <p:nvSpPr>
                     <p:cNvPr id="20" name="직사각형 19"/>
@@ -6609,8 +6609,8 @@
                 </p:sp>
               </mc:Fallback>
             </mc:AlternateContent>
-            <mc:AlternateContent xmlns:mc="http://schemas.openxmlformats.org/markup-compatibility/2006">
-              <mc:Choice xmlns:a14="http://schemas.microsoft.com/office/drawing/2010/main" Requires="a14">
+            <mc:AlternateContent xmlns:mc="http://schemas.openxmlformats.org/markup-compatibility/2006" xmlns:a14="http://schemas.microsoft.com/office/drawing/2010/main">
+              <mc:Choice Requires="a14">
                 <p:sp>
                   <p:nvSpPr>
                     <p:cNvPr id="23" name="직사각형 22"/>
@@ -6715,7 +6715,7 @@
                   </p:txBody>
                 </p:sp>
               </mc:Choice>
-              <mc:Fallback>
+              <mc:Fallback xmlns="">
                 <p:sp>
                   <p:nvSpPr>
                     <p:cNvPr id="23" name="직사각형 22"/>
@@ -6754,8 +6754,8 @@
                 </p:sp>
               </mc:Fallback>
             </mc:AlternateContent>
-            <mc:AlternateContent xmlns:mc="http://schemas.openxmlformats.org/markup-compatibility/2006">
-              <mc:Choice xmlns:a14="http://schemas.microsoft.com/office/drawing/2010/main" Requires="a14">
+            <mc:AlternateContent xmlns:mc="http://schemas.openxmlformats.org/markup-compatibility/2006" xmlns:a14="http://schemas.microsoft.com/office/drawing/2010/main">
+              <mc:Choice Requires="a14">
                 <p:sp>
                   <p:nvSpPr>
                     <p:cNvPr id="30" name="직사각형 29"/>
@@ -6850,7 +6850,7 @@
                   </p:txBody>
                 </p:sp>
               </mc:Choice>
-              <mc:Fallback>
+              <mc:Fallback xmlns="">
                 <p:sp>
                   <p:nvSpPr>
                     <p:cNvPr id="30" name="직사각형 29"/>
@@ -6889,8 +6889,8 @@
                 </p:sp>
               </mc:Fallback>
             </mc:AlternateContent>
-            <mc:AlternateContent xmlns:mc="http://schemas.openxmlformats.org/markup-compatibility/2006">
-              <mc:Choice xmlns:a14="http://schemas.microsoft.com/office/drawing/2010/main" Requires="a14">
+            <mc:AlternateContent xmlns:mc="http://schemas.openxmlformats.org/markup-compatibility/2006" xmlns:a14="http://schemas.microsoft.com/office/drawing/2010/main">
+              <mc:Choice Requires="a14">
                 <p:sp>
                   <p:nvSpPr>
                     <p:cNvPr id="33" name="직사각형 32"/>
@@ -6985,7 +6985,7 @@
                   </p:txBody>
                 </p:sp>
               </mc:Choice>
-              <mc:Fallback>
+              <mc:Fallback xmlns="">
                 <p:sp>
                   <p:nvSpPr>
                     <p:cNvPr id="33" name="직사각형 32"/>
@@ -7024,8 +7024,8 @@
                 </p:sp>
               </mc:Fallback>
             </mc:AlternateContent>
-            <mc:AlternateContent xmlns:mc="http://schemas.openxmlformats.org/markup-compatibility/2006">
-              <mc:Choice xmlns:a14="http://schemas.microsoft.com/office/drawing/2010/main" Requires="a14">
+            <mc:AlternateContent xmlns:mc="http://schemas.openxmlformats.org/markup-compatibility/2006" xmlns:a14="http://schemas.microsoft.com/office/drawing/2010/main">
+              <mc:Choice Requires="a14">
                 <p:sp>
                   <p:nvSpPr>
                     <p:cNvPr id="35" name="직사각형 34"/>
@@ -7120,7 +7120,7 @@
                   </p:txBody>
                 </p:sp>
               </mc:Choice>
-              <mc:Fallback>
+              <mc:Fallback xmlns="">
                 <p:sp>
                   <p:nvSpPr>
                     <p:cNvPr id="35" name="직사각형 34"/>
@@ -13741,7 +13741,7 @@
         <p:spPr/>
         <p:txBody>
           <a:bodyPr>
-            <a:normAutofit fontScale="55000" lnSpcReduction="20000"/>
+            <a:normAutofit fontScale="47500" lnSpcReduction="20000"/>
           </a:bodyPr>
           <a:lstStyle/>
           <a:p>
@@ -14190,6 +14190,76 @@
               <a:rPr lang="en-US" altLang="ko-KR" dirty="0" smtClean="0"/>
               <a:t>?</a:t>
             </a:r>
+          </a:p>
+          <a:p>
+            <a:r>
+              <a:rPr lang="en-US" altLang="ko-KR" dirty="0" smtClean="0"/>
+              <a:t>Aba</a:t>
+            </a:r>
+            <a:r>
+              <a:rPr lang="ko-KR" altLang="en-US" dirty="0" smtClean="0"/>
+              <a:t>와의 일치</a:t>
+            </a:r>
+            <a:endParaRPr lang="en-US" altLang="ko-KR" dirty="0" smtClean="0"/>
+          </a:p>
+          <a:p>
+            <a:pPr lvl="1"/>
+            <a:r>
+              <a:rPr lang="en-US" altLang="ko-KR" dirty="0" smtClean="0"/>
+              <a:t>Aba</a:t>
+            </a:r>
+            <a:r>
+              <a:rPr lang="ko-KR" altLang="en-US" dirty="0" smtClean="0"/>
+              <a:t>는 스프링 변위에 </a:t>
+            </a:r>
+            <a:r>
+              <a:rPr lang="en-US" altLang="ko-KR" dirty="0" smtClean="0"/>
+              <a:t>½</a:t>
+            </a:r>
+            <a:r>
+              <a:rPr lang="ko-KR" altLang="en-US" dirty="0" smtClean="0"/>
+              <a:t>을 곱하지 않는다</a:t>
+            </a:r>
+            <a:r>
+              <a:rPr lang="en-US" altLang="ko-KR" dirty="0" smtClean="0"/>
+              <a:t>.</a:t>
+            </a:r>
+          </a:p>
+          <a:p>
+            <a:pPr lvl="1"/>
+            <a:r>
+              <a:rPr lang="ko-KR" altLang="en-US" dirty="0" smtClean="0"/>
+              <a:t>그러므로 </a:t>
+            </a:r>
+            <a:r>
+              <a:rPr lang="en-US" altLang="ko-KR" dirty="0" err="1" smtClean="0"/>
+              <a:t>Kv</a:t>
+            </a:r>
+            <a:r>
+              <a:rPr lang="en-US" altLang="ko-KR" dirty="0" smtClean="0"/>
+              <a:t>, </a:t>
+            </a:r>
+            <a:r>
+              <a:rPr lang="en-US" altLang="ko-KR" dirty="0" err="1" smtClean="0"/>
+              <a:t>Cv</a:t>
+            </a:r>
+            <a:r>
+              <a:rPr lang="ko-KR" altLang="en-US" dirty="0" smtClean="0"/>
+              <a:t>에 </a:t>
+            </a:r>
+            <a:r>
+              <a:rPr lang="en-US" altLang="ko-KR" dirty="0" smtClean="0"/>
+              <a:t>½</a:t>
+            </a:r>
+            <a:r>
+              <a:rPr lang="ko-KR" altLang="en-US" dirty="0" smtClean="0"/>
+              <a:t>을 곱해서 넣어야 한다</a:t>
+            </a:r>
+            <a:r>
+              <a:rPr lang="en-US" altLang="ko-KR" smtClean="0"/>
+              <a:t>.</a:t>
+            </a:r>
+            <a:endParaRPr lang="en-US" altLang="ko-KR" dirty="0" smtClean="0"/>
           </a:p>
         </p:txBody>
       </p:sp>
